--- a/TMR UI 정의서 [0] 요구사항-220920-2.pptx
+++ b/TMR UI 정의서 [0] 요구사항-220920-2.pptx
@@ -2,7 +2,7 @@
 <file path=ppt/presentation.xml><?xml version="1.0" encoding="utf-8"?>
 <p:presentation xmlns:r="http://schemas.openxmlformats.org/officeDocument/2006/relationships" xmlns:c="http://schemas.openxmlformats.org/drawingml/2006/chart" xmlns:a="http://schemas.openxmlformats.org/drawingml/2006/main" xmlns:dgm="http://schemas.openxmlformats.org/drawingml/2006/diagram" xmlns:dsp="http://schemas.microsoft.com/office/drawing/2008/diagram" xmlns:p="http://schemas.openxmlformats.org/presentationml/2006/main" strictFirstAndLastChars="0" saveSubsetFonts="1" autoCompressPictures="0">
   <p:sldMasterIdLst>
-    <p:sldMasterId id="2147484043" r:id="rId1"/>
+    <p:sldMasterId id="2147484044" r:id="rId1"/>
   </p:sldMasterIdLst>
   <p:notesMasterIdLst>
     <p:notesMasterId r:id="rId2"/>
@@ -34509,7 +34509,7 @@
         <p:spPr>
           <a:xfrm>
             <a:off x="5249899" y="3944353"/>
-            <a:ext cx="232690" cy="216167"/>
+            <a:ext cx="232691" cy="216167"/>
           </a:xfrm>
           <a:prstGeom prst="rect">
             <a:avLst/>
@@ -35007,7 +35007,7 @@
         <p:spPr>
           <a:xfrm>
             <a:off x="3625991" y="4363453"/>
-            <a:ext cx="237348" cy="216167"/>
+            <a:ext cx="237349" cy="216167"/>
           </a:xfrm>
           <a:prstGeom prst="rect">
             <a:avLst/>
@@ -35051,7 +35051,7 @@
         <p:spPr>
           <a:xfrm>
             <a:off x="3632341" y="4601579"/>
-            <a:ext cx="230998" cy="216167"/>
+            <a:ext cx="230999" cy="216167"/>
           </a:xfrm>
           <a:prstGeom prst="rect">
             <a:avLst/>
@@ -36115,7 +36115,7 @@
         </p:nvSpPr>
         <p:spPr>
           <a:xfrm>
-            <a:off x="7285773" y="1977581"/>
+            <a:off x="1675548" y="1977581"/>
             <a:ext cx="1379478" cy="216000"/>
           </a:xfrm>
           <a:prstGeom prst="rect">
@@ -36173,7 +36173,7 @@
         </p:nvSpPr>
         <p:spPr>
           <a:xfrm>
-            <a:off x="7285773" y="1613899"/>
+            <a:off x="1675548" y="1613899"/>
             <a:ext cx="1379478" cy="216000"/>
           </a:xfrm>
           <a:prstGeom prst="rect">
@@ -36223,64 +36223,6 @@
           </a:p>
         </p:txBody>
       </p:sp>
-      <p:sp>
-        <p:nvSpPr>
-          <p:cNvPr id="697" name="Google Shape;67;p2"/>
-          <p:cNvSpPr/>
-          <p:nvPr/>
-        </p:nvSpPr>
-        <p:spPr>
-          <a:xfrm>
-            <a:off x="7285773" y="2323945"/>
-            <a:ext cx="1379478" cy="216000"/>
-          </a:xfrm>
-          <a:prstGeom prst="rect">
-            <a:avLst/>
-          </a:prstGeom>
-          <a:solidFill>
-            <a:schemeClr val="bg1"/>
-          </a:solidFill>
-          <a:ln w="12700" cap="flat" cmpd="sng">
-            <a:solidFill>
-              <a:schemeClr val="tx1"/>
-            </a:solidFill>
-            <a:prstDash val="solid"/>
-            <a:round/>
-          </a:ln>
-        </p:spPr>
-        <p:txBody>
-          <a:bodyPr vert="horz" wrap="square" lIns="76518" tIns="20241" rIns="76518" bIns="20241" anchor="ctr" anchorCtr="0">
-            <a:noAutofit/>
-          </a:bodyPr>
-          <a:lstStyle/>
-          <a:p>
-            <a:pPr algn="ctr">
-              <a:defRPr lang="ko-KR" altLang="en-US"/>
-            </a:pPr>
-            <a:r>
-              <a:rPr lang="ko-KR" altLang="en-US" sz="1106">
-                <a:solidFill>
-                  <a:schemeClr val="dk1"/>
-                </a:solidFill>
-                <a:latin typeface="Calibri"/>
-                <a:ea typeface="Calibri"/>
-                <a:cs typeface="Calibri"/>
-                <a:sym typeface="Calibri"/>
-              </a:rPr>
-              <a:t>카운트 화면</a:t>
-            </a:r>
-            <a:endParaRPr lang="ko-KR" altLang="en-US" sz="1106">
-              <a:solidFill>
-                <a:schemeClr val="dk1"/>
-              </a:solidFill>
-              <a:latin typeface="Calibri"/>
-              <a:ea typeface="Calibri"/>
-              <a:cs typeface="Calibri"/>
-              <a:sym typeface="Calibri"/>
-            </a:endParaRPr>
-          </a:p>
-        </p:txBody>
-      </p:sp>
       <p:cxnSp>
         <p:nvCxnSpPr>
           <p:cNvPr id="699" name=""/>
@@ -36288,9 +36230,9 @@
           <p:nvPr/>
         </p:nvCxnSpPr>
         <p:spPr>
-          <a:xfrm rot="10800000" flipV="1">
-            <a:off x="6181725" y="2647950"/>
-            <a:ext cx="762000" cy="381000"/>
+          <a:xfrm>
+            <a:off x="3267075" y="2495550"/>
+            <a:ext cx="609600" cy="342900"/>
           </a:xfrm>
           <a:prstGeom prst="straightConnector1">
             <a:avLst/>
@@ -36326,7 +36268,7 @@
         </p:nvSpPr>
         <p:spPr>
           <a:xfrm>
-            <a:off x="6860161" y="1595983"/>
+            <a:off x="1249936" y="1595983"/>
             <a:ext cx="285116" cy="300358"/>
           </a:xfrm>
           <a:prstGeom prst="rect">
@@ -36367,7 +36309,7 @@
         </p:nvSpPr>
         <p:spPr>
           <a:xfrm>
-            <a:off x="6860161" y="1948408"/>
+            <a:off x="1249936" y="1948408"/>
             <a:ext cx="285116" cy="300358"/>
           </a:xfrm>
           <a:prstGeom prst="rect">
@@ -36395,47 +36337,6 @@
             <a:r>
               <a:rPr lang="ko-KR" altLang="en-US"/>
               <a:t>9</a:t>
-            </a:r>
-            <a:endParaRPr lang="ko-KR" altLang="en-US"/>
-          </a:p>
-        </p:txBody>
-      </p:sp>
-      <p:sp>
-        <p:nvSpPr>
-          <p:cNvPr id="702" name=""/>
-          <p:cNvSpPr txBox="1"/>
-          <p:nvPr/>
-        </p:nvSpPr>
-        <p:spPr>
-          <a:xfrm>
-            <a:off x="6860161" y="2291308"/>
-            <a:ext cx="389891" cy="297587"/>
-          </a:xfrm>
-          <a:prstGeom prst="rect">
-            <a:avLst/>
-          </a:prstGeom>
-          <a:solidFill>
-            <a:schemeClr val="bg1">
-              <a:lumMod val="90000"/>
-            </a:schemeClr>
-          </a:solidFill>
-          <a:ln w="12700">
-            <a:solidFill>
-              <a:schemeClr val="tx1"/>
-            </a:solidFill>
-          </a:ln>
-        </p:spPr>
-        <p:txBody>
-          <a:bodyPr wrap="square">
-            <a:spAutoFit/>
-          </a:bodyPr>
-          <a:p>
-            <a:pPr>
-              <a:defRPr lang="ko-KR" altLang="en-US"/>
-            </a:pPr>
-            <a:r>
-              <a:rPr lang="ko-KR" altLang="en-US"/>
-              <a:t>10</a:t>
             </a:r>
             <a:endParaRPr lang="ko-KR" altLang="en-US"/>
           </a:p>
@@ -36650,7 +36551,7 @@
             </a:pPr>
             <a:r>
               <a:rPr lang="ko-KR" altLang="en-US"/>
-              <a:t>11</a:t>
+              <a:t>10</a:t>
             </a:r>
             <a:endParaRPr lang="ko-KR" altLang="en-US"/>
           </a:p>
@@ -37143,7 +37044,7 @@
             </a:pPr>
             <a:r>
               <a:rPr lang="ko-KR" altLang="en-US"/>
-              <a:t>12</a:t>
+              <a:t>11</a:t>
             </a:r>
             <a:endParaRPr lang="ko-KR" altLang="en-US"/>
           </a:p>
